--- a/Lesson 4/Presentation.pptx
+++ b/Lesson 4/Presentation.pptx
@@ -13185,6 +13185,7 @@
               <a:rPr lang="en-US" dirty="0"/>
               <a:t>=0&amp;per_page=24</a:t>
             </a:r>
+            <a:endParaRPr lang="en-US" dirty="0"/>
           </a:p>
         </p:txBody>
       </p:sp>
